--- a/AzureDevOps/PPT/Azure-DevOps Overview.pptx
+++ b/AzureDevOps/PPT/Azure-DevOps Overview.pptx
@@ -10,7 +10,16 @@
     <p:sldId id="310" r:id="rId4"/>
     <p:sldId id="311" r:id="rId5"/>
     <p:sldId id="312" r:id="rId6"/>
-    <p:sldId id="309" r:id="rId7"/>
+    <p:sldId id="313" r:id="rId7"/>
+    <p:sldId id="314" r:id="rId8"/>
+    <p:sldId id="315" r:id="rId9"/>
+    <p:sldId id="309" r:id="rId10"/>
+    <p:sldId id="316" r:id="rId11"/>
+    <p:sldId id="317" r:id="rId12"/>
+    <p:sldId id="318" r:id="rId13"/>
+    <p:sldId id="319" r:id="rId14"/>
+    <p:sldId id="320" r:id="rId15"/>
+    <p:sldId id="321" r:id="rId16"/>
   </p:sldIdLst>
   <p:sldSz cx="12192000" cy="6858000"/>
   <p:notesSz cx="6858000" cy="9144000"/>
@@ -264,7 +273,7 @@
           <a:p>
             <a:fld id="{0F1FE75B-83A8-4745-BB88-D0923493E807}" type="datetimeFigureOut">
               <a:rPr lang="en-US" smtClean="0"/>
-              <a:t>5/24/2023</a:t>
+              <a:t>5/8/2025</a:t>
             </a:fld>
             <a:endParaRPr lang="en-US"/>
           </a:p>
@@ -462,7 +471,7 @@
           <a:p>
             <a:fld id="{0F1FE75B-83A8-4745-BB88-D0923493E807}" type="datetimeFigureOut">
               <a:rPr lang="en-US" smtClean="0"/>
-              <a:t>5/24/2023</a:t>
+              <a:t>5/8/2025</a:t>
             </a:fld>
             <a:endParaRPr lang="en-US"/>
           </a:p>
@@ -670,7 +679,7 @@
           <a:p>
             <a:fld id="{0F1FE75B-83A8-4745-BB88-D0923493E807}" type="datetimeFigureOut">
               <a:rPr lang="en-US" smtClean="0"/>
-              <a:t>5/24/2023</a:t>
+              <a:t>5/8/2025</a:t>
             </a:fld>
             <a:endParaRPr lang="en-US"/>
           </a:p>
@@ -1033,7 +1042,7 @@
             <a:fld id="{1D8BD707-D9CF-40AE-B4C6-C98DA3205C09}" type="datetimeFigureOut">
               <a:rPr lang="en-US" smtClean="0"/>
               <a:pPr/>
-              <a:t>5/24/2023</a:t>
+              <a:t>5/8/2025</a:t>
             </a:fld>
             <a:endParaRPr lang="en-US"/>
           </a:p>
@@ -1183,7 +1192,7 @@
             <a:fld id="{1D8BD707-D9CF-40AE-B4C6-C98DA3205C09}" type="datetimeFigureOut">
               <a:rPr lang="en-US" smtClean="0"/>
               <a:pPr/>
-              <a:t>5/24/2023</a:t>
+              <a:t>5/8/2025</a:t>
             </a:fld>
             <a:endParaRPr lang="en-US"/>
           </a:p>
@@ -1605,7 +1614,7 @@
             <a:fld id="{1D8BD707-D9CF-40AE-B4C6-C98DA3205C09}" type="datetimeFigureOut">
               <a:rPr lang="en-US" smtClean="0"/>
               <a:pPr/>
-              <a:t>5/24/2023</a:t>
+              <a:t>5/8/2025</a:t>
             </a:fld>
             <a:endParaRPr lang="en-US"/>
           </a:p>
@@ -1853,7 +1862,7 @@
             <a:fld id="{1D8BD707-D9CF-40AE-B4C6-C98DA3205C09}" type="datetimeFigureOut">
               <a:rPr lang="en-US" smtClean="0"/>
               <a:pPr/>
-              <a:t>5/24/2023</a:t>
+              <a:t>5/8/2025</a:t>
             </a:fld>
             <a:endParaRPr lang="en-US"/>
           </a:p>
@@ -2095,7 +2104,7 @@
             <a:fld id="{1D8BD707-D9CF-40AE-B4C6-C98DA3205C09}" type="datetimeFigureOut">
               <a:rPr lang="en-US" smtClean="0"/>
               <a:pPr/>
-              <a:t>5/24/2023</a:t>
+              <a:t>5/8/2025</a:t>
             </a:fld>
             <a:endParaRPr lang="en-US"/>
           </a:p>
@@ -2296,7 +2305,7 @@
             <a:fld id="{1D8BD707-D9CF-40AE-B4C6-C98DA3205C09}" type="datetimeFigureOut">
               <a:rPr lang="en-US" smtClean="0"/>
               <a:pPr/>
-              <a:t>5/24/2023</a:t>
+              <a:t>5/8/2025</a:t>
             </a:fld>
             <a:endParaRPr lang="en-US"/>
           </a:p>
@@ -2401,7 +2410,7 @@
             <a:fld id="{1D8BD707-D9CF-40AE-B4C6-C98DA3205C09}" type="datetimeFigureOut">
               <a:rPr lang="en-US" smtClean="0"/>
               <a:pPr/>
-              <a:t>5/24/2023</a:t>
+              <a:t>5/8/2025</a:t>
             </a:fld>
             <a:endParaRPr lang="en-US"/>
           </a:p>
@@ -2543,7 +2552,7 @@
             <a:fld id="{1D8BD707-D9CF-40AE-B4C6-C98DA3205C09}" type="datetimeFigureOut">
               <a:rPr lang="en-US" smtClean="0"/>
               <a:pPr/>
-              <a:t>5/24/2023</a:t>
+              <a:t>5/8/2025</a:t>
             </a:fld>
             <a:endParaRPr lang="en-US"/>
           </a:p>
@@ -2869,7 +2878,7 @@
           <a:p>
             <a:fld id="{0F1FE75B-83A8-4745-BB88-D0923493E807}" type="datetimeFigureOut">
               <a:rPr lang="en-US" smtClean="0"/>
-              <a:t>5/24/2023</a:t>
+              <a:t>5/8/2025</a:t>
             </a:fld>
             <a:endParaRPr lang="en-US"/>
           </a:p>
@@ -3265,7 +3274,7 @@
             <a:fld id="{1D8BD707-D9CF-40AE-B4C6-C98DA3205C09}" type="datetimeFigureOut">
               <a:rPr lang="en-US" smtClean="0"/>
               <a:pPr/>
-              <a:t>5/24/2023</a:t>
+              <a:t>5/8/2025</a:t>
             </a:fld>
             <a:endParaRPr lang="en-US"/>
           </a:p>
@@ -3491,7 +3500,7 @@
             <a:fld id="{1D8BD707-D9CF-40AE-B4C6-C98DA3205C09}" type="datetimeFigureOut">
               <a:rPr lang="en-US" smtClean="0"/>
               <a:pPr/>
-              <a:t>5/24/2023</a:t>
+              <a:t>5/8/2025</a:t>
             </a:fld>
             <a:endParaRPr lang="en-US"/>
           </a:p>
@@ -3682,7 +3691,7 @@
             <a:fld id="{1D8BD707-D9CF-40AE-B4C6-C98DA3205C09}" type="datetimeFigureOut">
               <a:rPr lang="en-US" smtClean="0"/>
               <a:pPr/>
-              <a:t>5/24/2023</a:t>
+              <a:t>5/8/2025</a:t>
             </a:fld>
             <a:endParaRPr lang="en-US"/>
           </a:p>
@@ -4091,7 +4100,7 @@
           <a:p>
             <a:fld id="{0F1FE75B-83A8-4745-BB88-D0923493E807}" type="datetimeFigureOut">
               <a:rPr lang="en-US" smtClean="0"/>
-              <a:t>5/24/2023</a:t>
+              <a:t>5/8/2025</a:t>
             </a:fld>
             <a:endParaRPr lang="en-US"/>
           </a:p>
@@ -4356,7 +4365,7 @@
           <a:p>
             <a:fld id="{0F1FE75B-83A8-4745-BB88-D0923493E807}" type="datetimeFigureOut">
               <a:rPr lang="en-US" smtClean="0"/>
-              <a:t>5/24/2023</a:t>
+              <a:t>5/8/2025</a:t>
             </a:fld>
             <a:endParaRPr lang="en-US"/>
           </a:p>
@@ -4768,7 +4777,7 @@
           <a:p>
             <a:fld id="{0F1FE75B-83A8-4745-BB88-D0923493E807}" type="datetimeFigureOut">
               <a:rPr lang="en-US" smtClean="0"/>
-              <a:t>5/24/2023</a:t>
+              <a:t>5/8/2025</a:t>
             </a:fld>
             <a:endParaRPr lang="en-US"/>
           </a:p>
@@ -4909,7 +4918,7 @@
           <a:p>
             <a:fld id="{0F1FE75B-83A8-4745-BB88-D0923493E807}" type="datetimeFigureOut">
               <a:rPr lang="en-US" smtClean="0"/>
-              <a:t>5/24/2023</a:t>
+              <a:t>5/8/2025</a:t>
             </a:fld>
             <a:endParaRPr lang="en-US"/>
           </a:p>
@@ -5022,7 +5031,7 @@
           <a:p>
             <a:fld id="{0F1FE75B-83A8-4745-BB88-D0923493E807}" type="datetimeFigureOut">
               <a:rPr lang="en-US" smtClean="0"/>
-              <a:t>5/24/2023</a:t>
+              <a:t>5/8/2025</a:t>
             </a:fld>
             <a:endParaRPr lang="en-US"/>
           </a:p>
@@ -5333,7 +5342,7 @@
           <a:p>
             <a:fld id="{0F1FE75B-83A8-4745-BB88-D0923493E807}" type="datetimeFigureOut">
               <a:rPr lang="en-US" smtClean="0"/>
-              <a:t>5/24/2023</a:t>
+              <a:t>5/8/2025</a:t>
             </a:fld>
             <a:endParaRPr lang="en-US"/>
           </a:p>
@@ -5621,7 +5630,7 @@
           <a:p>
             <a:fld id="{0F1FE75B-83A8-4745-BB88-D0923493E807}" type="datetimeFigureOut">
               <a:rPr lang="en-US" smtClean="0"/>
-              <a:t>5/24/2023</a:t>
+              <a:t>5/8/2025</a:t>
             </a:fld>
             <a:endParaRPr lang="en-US"/>
           </a:p>
@@ -5862,7 +5871,7 @@
           <a:p>
             <a:fld id="{0F1FE75B-83A8-4745-BB88-D0923493E807}" type="datetimeFigureOut">
               <a:rPr lang="en-US" smtClean="0"/>
-              <a:t>5/24/2023</a:t>
+              <a:t>5/8/2025</a:t>
             </a:fld>
             <a:endParaRPr lang="en-US"/>
           </a:p>
@@ -6411,7 +6420,7 @@
             <a:fld id="{1D8BD707-D9CF-40AE-B4C6-C98DA3205C09}" type="datetimeFigureOut">
               <a:rPr lang="en-US" smtClean="0"/>
               <a:pPr/>
-              <a:t>5/24/2023</a:t>
+              <a:t>5/8/2025</a:t>
             </a:fld>
             <a:endParaRPr lang="en-US"/>
           </a:p>
@@ -7002,7 +7011,7 @@
                 <a:latin typeface="Segoe UI" panose="020B0502040204020203" pitchFamily="34" charset="0"/>
                 <a:cs typeface="Segoe UI" panose="020B0502040204020203" pitchFamily="34" charset="0"/>
               </a:rPr>
-              <a:t>Azure DevOps, a modern DevOps tool of planning, developing, testing and deploying modern apps.</a:t>
+              <a:t>Azure DevOps is a set of development tools and services provided by Microsoft to support the entire software development lifecycle.</a:t>
             </a:r>
           </a:p>
           <a:p>
@@ -7011,7 +7020,7 @@
                 <a:latin typeface="Segoe UI" panose="020B0502040204020203" pitchFamily="34" charset="0"/>
                 <a:cs typeface="Segoe UI" panose="020B0502040204020203" pitchFamily="34" charset="0"/>
               </a:rPr>
-              <a:t>Azure DevOps services are not dependent on cloud or platform.</a:t>
+              <a:t> It enables teams to plan work, collaborate on code development, and build and deploy applications efficiently.</a:t>
             </a:r>
           </a:p>
           <a:p>
@@ -7020,7 +7029,7 @@
                 <a:latin typeface="Segoe UI" panose="020B0502040204020203" pitchFamily="34" charset="0"/>
                 <a:cs typeface="Segoe UI" panose="020B0502040204020203" pitchFamily="34" charset="0"/>
               </a:rPr>
-              <a:t>Azure DevOps has various options for tool and cloud service selection as per the requirement</a:t>
+              <a:t>Azure DevOps, a modern DevOps tool of planning, developing, testing and deploying modern apps.</a:t>
             </a:r>
           </a:p>
           <a:p>
@@ -7029,21 +7038,7 @@
                 <a:latin typeface="Segoe UI" panose="020B0502040204020203" pitchFamily="34" charset="0"/>
                 <a:cs typeface="Segoe UI" panose="020B0502040204020203" pitchFamily="34" charset="0"/>
               </a:rPr>
-              <a:t>Azure DevOps includes Git repositories as source control, build and release management tools, work planning and tracking tools, testing tools and support services like Slack, Trello and Azure services.</a:t>
-            </a:r>
-          </a:p>
-          <a:p>
-            <a:r>
-              <a:rPr lang="en-US" sz="1800" dirty="0">
-                <a:solidFill>
-                  <a:srgbClr val="161616"/>
-                </a:solidFill>
-                <a:effectLst/>
-                <a:latin typeface="Segoe UI" panose="020B0502040204020203" pitchFamily="34" charset="0"/>
-                <a:ea typeface="Calibri" panose="020F0502020204030204" pitchFamily="34" charset="0"/>
-                <a:cs typeface="Times New Roman" panose="02020603050405020304" pitchFamily="18" charset="0"/>
-              </a:rPr>
-              <a:t>Azure DevOps provides a tool which can help you to track software building progress and help you to take decision to deliver great software to end users.</a:t>
+              <a:t>Azure DevOps services are independent of cloud or platform.</a:t>
             </a:r>
           </a:p>
           <a:p>
@@ -7083,7 +7078,7 @@
         </p:blipFill>
         <p:spPr bwMode="auto">
           <a:xfrm>
-            <a:off x="2792184" y="3992336"/>
+            <a:off x="1703613" y="3578679"/>
             <a:ext cx="7429501" cy="2637064"/>
           </a:xfrm>
           <a:prstGeom prst="rect">
@@ -7099,6 +7094,780 @@
     <p:extLst>
       <p:ext uri="{BB962C8B-B14F-4D97-AF65-F5344CB8AC3E}">
         <p14:creationId xmlns:p14="http://schemas.microsoft.com/office/powerpoint/2010/main" val="1885688025"/>
+      </p:ext>
+    </p:extLst>
+  </p:cSld>
+  <p:clrMapOvr>
+    <a:masterClrMapping/>
+  </p:clrMapOvr>
+</p:sld>
+</file>
+
+<file path=ppt/slides/slide10.xml><?xml version="1.0" encoding="utf-8"?>
+<p:sld xmlns:a="http://schemas.openxmlformats.org/drawingml/2006/main" xmlns:r="http://schemas.openxmlformats.org/officeDocument/2006/relationships" xmlns:p="http://schemas.openxmlformats.org/presentationml/2006/main">
+  <p:cSld>
+    <p:spTree>
+      <p:nvGrpSpPr>
+        <p:cNvPr id="1" name="">
+          <a:extLst>
+            <a:ext uri="{FF2B5EF4-FFF2-40B4-BE49-F238E27FC236}">
+              <a16:creationId xmlns:a16="http://schemas.microsoft.com/office/drawing/2014/main" id="{FD705075-583A-0D13-8510-DE97552EB3E9}"/>
+            </a:ext>
+          </a:extLst>
+        </p:cNvPr>
+        <p:cNvGrpSpPr/>
+        <p:nvPr/>
+      </p:nvGrpSpPr>
+      <p:grpSpPr>
+        <a:xfrm>
+          <a:off x="0" y="0"/>
+          <a:ext cx="0" cy="0"/>
+          <a:chOff x="0" y="0"/>
+          <a:chExt cx="0" cy="0"/>
+        </a:xfrm>
+      </p:grpSpPr>
+      <p:sp>
+        <p:nvSpPr>
+          <p:cNvPr id="4" name="Title 3">
+            <a:extLst>
+              <a:ext uri="{FF2B5EF4-FFF2-40B4-BE49-F238E27FC236}">
+                <a16:creationId xmlns:a16="http://schemas.microsoft.com/office/drawing/2014/main" id="{5040673A-2F8A-F842-EFD2-BC5D42D77241}"/>
+              </a:ext>
+            </a:extLst>
+          </p:cNvPr>
+          <p:cNvSpPr>
+            <a:spLocks noGrp="1"/>
+          </p:cNvSpPr>
+          <p:nvPr>
+            <p:ph type="title"/>
+          </p:nvPr>
+        </p:nvSpPr>
+        <p:spPr/>
+        <p:txBody>
+          <a:bodyPr>
+            <a:normAutofit/>
+          </a:bodyPr>
+          <a:lstStyle/>
+          <a:p>
+            <a:r>
+              <a:rPr lang="en-US" sz="2400" dirty="0"/>
+              <a:t>Key Services/Components in Azure DevOps</a:t>
+            </a:r>
+            <a:endParaRPr lang="en-IN" sz="2400" dirty="0"/>
+          </a:p>
+        </p:txBody>
+      </p:sp>
+      <p:sp>
+        <p:nvSpPr>
+          <p:cNvPr id="5" name="Content Placeholder 4">
+            <a:extLst>
+              <a:ext uri="{FF2B5EF4-FFF2-40B4-BE49-F238E27FC236}">
+                <a16:creationId xmlns:a16="http://schemas.microsoft.com/office/drawing/2014/main" id="{D6F922A6-B1EA-EC1A-901A-04D8C00A72F3}"/>
+              </a:ext>
+            </a:extLst>
+          </p:cNvPr>
+          <p:cNvSpPr>
+            <a:spLocks noGrp="1"/>
+          </p:cNvSpPr>
+          <p:nvPr>
+            <p:ph sz="quarter" idx="1"/>
+          </p:nvPr>
+        </p:nvSpPr>
+        <p:spPr/>
+        <p:txBody>
+          <a:bodyPr>
+            <a:normAutofit/>
+          </a:bodyPr>
+          <a:lstStyle/>
+          <a:p>
+            <a:r>
+              <a:rPr lang="en-US" sz="2000" b="1" dirty="0"/>
+              <a:t>2. Azure Repos</a:t>
+            </a:r>
+          </a:p>
+          <a:p>
+            <a:r>
+              <a:rPr lang="en-US" sz="1800" b="1" dirty="0"/>
+              <a:t>Purpose</a:t>
+            </a:r>
+            <a:r>
+              <a:rPr lang="en-US" sz="1800" dirty="0"/>
+              <a:t>: Source code management.</a:t>
+            </a:r>
+          </a:p>
+          <a:p>
+            <a:r>
+              <a:rPr lang="en-US" sz="1800" b="1" dirty="0"/>
+              <a:t>Features</a:t>
+            </a:r>
+            <a:r>
+              <a:rPr lang="en-US" sz="1800" dirty="0"/>
+              <a:t>:</a:t>
+            </a:r>
+          </a:p>
+          <a:p>
+            <a:r>
+              <a:rPr lang="en-US" sz="1800" dirty="0"/>
+              <a:t>Git repositories and Team Foundation Version Control (TFVC)</a:t>
+            </a:r>
+          </a:p>
+          <a:p>
+            <a:r>
+              <a:rPr lang="en-US" sz="1800" dirty="0"/>
+              <a:t>Pull requests and code reviews</a:t>
+            </a:r>
+          </a:p>
+          <a:p>
+            <a:r>
+              <a:rPr lang="en-US" sz="1800" dirty="0"/>
+              <a:t>Branching and merging strategies</a:t>
+            </a:r>
+          </a:p>
+          <a:p>
+            <a:r>
+              <a:rPr lang="en-US" sz="1800" dirty="0"/>
+              <a:t>Commit history and auditing</a:t>
+            </a:r>
+          </a:p>
+          <a:p>
+            <a:endParaRPr lang="en-IN" sz="1800" dirty="0">
+              <a:latin typeface="Segoe UI" panose="020B0502040204020203" pitchFamily="34" charset="0"/>
+              <a:cs typeface="Segoe UI" panose="020B0502040204020203" pitchFamily="34" charset="0"/>
+            </a:endParaRPr>
+          </a:p>
+          <a:p>
+            <a:endParaRPr lang="en-IN" sz="1800" dirty="0">
+              <a:latin typeface="Segoe UI" panose="020B0502040204020203" pitchFamily="34" charset="0"/>
+              <a:cs typeface="Segoe UI" panose="020B0502040204020203" pitchFamily="34" charset="0"/>
+            </a:endParaRPr>
+          </a:p>
+        </p:txBody>
+      </p:sp>
+    </p:spTree>
+    <p:extLst>
+      <p:ext uri="{BB962C8B-B14F-4D97-AF65-F5344CB8AC3E}">
+        <p14:creationId xmlns:p14="http://schemas.microsoft.com/office/powerpoint/2010/main" val="2281372155"/>
+      </p:ext>
+    </p:extLst>
+  </p:cSld>
+  <p:clrMapOvr>
+    <a:masterClrMapping/>
+  </p:clrMapOvr>
+</p:sld>
+</file>
+
+<file path=ppt/slides/slide11.xml><?xml version="1.0" encoding="utf-8"?>
+<p:sld xmlns:a="http://schemas.openxmlformats.org/drawingml/2006/main" xmlns:r="http://schemas.openxmlformats.org/officeDocument/2006/relationships" xmlns:p="http://schemas.openxmlformats.org/presentationml/2006/main">
+  <p:cSld>
+    <p:spTree>
+      <p:nvGrpSpPr>
+        <p:cNvPr id="1" name="">
+          <a:extLst>
+            <a:ext uri="{FF2B5EF4-FFF2-40B4-BE49-F238E27FC236}">
+              <a16:creationId xmlns:a16="http://schemas.microsoft.com/office/drawing/2014/main" id="{ACB718E6-6082-4DB8-5242-E999112A2292}"/>
+            </a:ext>
+          </a:extLst>
+        </p:cNvPr>
+        <p:cNvGrpSpPr/>
+        <p:nvPr/>
+      </p:nvGrpSpPr>
+      <p:grpSpPr>
+        <a:xfrm>
+          <a:off x="0" y="0"/>
+          <a:ext cx="0" cy="0"/>
+          <a:chOff x="0" y="0"/>
+          <a:chExt cx="0" cy="0"/>
+        </a:xfrm>
+      </p:grpSpPr>
+      <p:sp>
+        <p:nvSpPr>
+          <p:cNvPr id="4" name="Title 3">
+            <a:extLst>
+              <a:ext uri="{FF2B5EF4-FFF2-40B4-BE49-F238E27FC236}">
+                <a16:creationId xmlns:a16="http://schemas.microsoft.com/office/drawing/2014/main" id="{3E20B40D-9CCC-97D6-5D6B-1B53217AE34E}"/>
+              </a:ext>
+            </a:extLst>
+          </p:cNvPr>
+          <p:cNvSpPr>
+            <a:spLocks noGrp="1"/>
+          </p:cNvSpPr>
+          <p:nvPr>
+            <p:ph type="title"/>
+          </p:nvPr>
+        </p:nvSpPr>
+        <p:spPr/>
+        <p:txBody>
+          <a:bodyPr>
+            <a:normAutofit/>
+          </a:bodyPr>
+          <a:lstStyle/>
+          <a:p>
+            <a:r>
+              <a:rPr lang="en-US" sz="2400" dirty="0"/>
+              <a:t>Key Services/Components in Azure DevOps</a:t>
+            </a:r>
+            <a:endParaRPr lang="en-IN" sz="2400" dirty="0"/>
+          </a:p>
+        </p:txBody>
+      </p:sp>
+      <p:sp>
+        <p:nvSpPr>
+          <p:cNvPr id="5" name="Content Placeholder 4">
+            <a:extLst>
+              <a:ext uri="{FF2B5EF4-FFF2-40B4-BE49-F238E27FC236}">
+                <a16:creationId xmlns:a16="http://schemas.microsoft.com/office/drawing/2014/main" id="{FFBAA333-3F58-B9B1-6714-5634BC3CF4EB}"/>
+              </a:ext>
+            </a:extLst>
+          </p:cNvPr>
+          <p:cNvSpPr>
+            <a:spLocks noGrp="1"/>
+          </p:cNvSpPr>
+          <p:nvPr>
+            <p:ph sz="quarter" idx="1"/>
+          </p:nvPr>
+        </p:nvSpPr>
+        <p:spPr/>
+        <p:txBody>
+          <a:bodyPr>
+            <a:normAutofit/>
+          </a:bodyPr>
+          <a:lstStyle/>
+          <a:p>
+            <a:r>
+              <a:rPr lang="en-US" sz="2000" b="1" dirty="0"/>
+              <a:t>3. Azure Pipelines</a:t>
+            </a:r>
+          </a:p>
+          <a:p>
+            <a:r>
+              <a:rPr lang="en-US" sz="1800" b="1" dirty="0"/>
+              <a:t>Purpose</a:t>
+            </a:r>
+            <a:r>
+              <a:rPr lang="en-US" sz="1800" dirty="0"/>
+              <a:t>:  Continuous Integration (CI) and Continuous Delivery (CD).</a:t>
+            </a:r>
+          </a:p>
+          <a:p>
+            <a:r>
+              <a:rPr lang="en-US" sz="1800" b="1" dirty="0"/>
+              <a:t>Features</a:t>
+            </a:r>
+            <a:r>
+              <a:rPr lang="en-US" sz="1800" dirty="0"/>
+              <a:t>:</a:t>
+            </a:r>
+          </a:p>
+          <a:p>
+            <a:r>
+              <a:rPr lang="en-US" sz="1800" dirty="0"/>
+              <a:t>Build automation and deployment workflows</a:t>
+            </a:r>
+          </a:p>
+          <a:p>
+            <a:r>
+              <a:rPr lang="en-US" sz="1800" dirty="0"/>
+              <a:t>Multi-platform support (Windows, Linux, macOS)</a:t>
+            </a:r>
+          </a:p>
+          <a:p>
+            <a:r>
+              <a:rPr lang="en-US" sz="1800" dirty="0"/>
+              <a:t>Container and Kubernetes support</a:t>
+            </a:r>
+          </a:p>
+          <a:p>
+            <a:r>
+              <a:rPr lang="en-US" sz="1800" dirty="0"/>
+              <a:t>YAML or classic editor pipelines</a:t>
+            </a:r>
+          </a:p>
+          <a:p>
+            <a:r>
+              <a:rPr lang="en-US" sz="1800" dirty="0"/>
+              <a:t>Integration with GitHub, Bitbucket, etc.</a:t>
+            </a:r>
+          </a:p>
+          <a:p>
+            <a:endParaRPr lang="en-IN" sz="1800" dirty="0">
+              <a:latin typeface="Segoe UI" panose="020B0502040204020203" pitchFamily="34" charset="0"/>
+              <a:cs typeface="Segoe UI" panose="020B0502040204020203" pitchFamily="34" charset="0"/>
+            </a:endParaRPr>
+          </a:p>
+          <a:p>
+            <a:endParaRPr lang="en-IN" sz="1800" dirty="0">
+              <a:latin typeface="Segoe UI" panose="020B0502040204020203" pitchFamily="34" charset="0"/>
+              <a:cs typeface="Segoe UI" panose="020B0502040204020203" pitchFamily="34" charset="0"/>
+            </a:endParaRPr>
+          </a:p>
+        </p:txBody>
+      </p:sp>
+    </p:spTree>
+    <p:extLst>
+      <p:ext uri="{BB962C8B-B14F-4D97-AF65-F5344CB8AC3E}">
+        <p14:creationId xmlns:p14="http://schemas.microsoft.com/office/powerpoint/2010/main" val="2365816433"/>
+      </p:ext>
+    </p:extLst>
+  </p:cSld>
+  <p:clrMapOvr>
+    <a:masterClrMapping/>
+  </p:clrMapOvr>
+</p:sld>
+</file>
+
+<file path=ppt/slides/slide12.xml><?xml version="1.0" encoding="utf-8"?>
+<p:sld xmlns:a="http://schemas.openxmlformats.org/drawingml/2006/main" xmlns:r="http://schemas.openxmlformats.org/officeDocument/2006/relationships" xmlns:p="http://schemas.openxmlformats.org/presentationml/2006/main">
+  <p:cSld>
+    <p:spTree>
+      <p:nvGrpSpPr>
+        <p:cNvPr id="1" name="">
+          <a:extLst>
+            <a:ext uri="{FF2B5EF4-FFF2-40B4-BE49-F238E27FC236}">
+              <a16:creationId xmlns:a16="http://schemas.microsoft.com/office/drawing/2014/main" id="{6335BC6B-BAC4-B0F4-42FA-449DEF316E9F}"/>
+            </a:ext>
+          </a:extLst>
+        </p:cNvPr>
+        <p:cNvGrpSpPr/>
+        <p:nvPr/>
+      </p:nvGrpSpPr>
+      <p:grpSpPr>
+        <a:xfrm>
+          <a:off x="0" y="0"/>
+          <a:ext cx="0" cy="0"/>
+          <a:chOff x="0" y="0"/>
+          <a:chExt cx="0" cy="0"/>
+        </a:xfrm>
+      </p:grpSpPr>
+      <p:sp>
+        <p:nvSpPr>
+          <p:cNvPr id="4" name="Title 3">
+            <a:extLst>
+              <a:ext uri="{FF2B5EF4-FFF2-40B4-BE49-F238E27FC236}">
+                <a16:creationId xmlns:a16="http://schemas.microsoft.com/office/drawing/2014/main" id="{E5C81ECD-13F7-A51D-39FC-12713328D12B}"/>
+              </a:ext>
+            </a:extLst>
+          </p:cNvPr>
+          <p:cNvSpPr>
+            <a:spLocks noGrp="1"/>
+          </p:cNvSpPr>
+          <p:nvPr>
+            <p:ph type="title"/>
+          </p:nvPr>
+        </p:nvSpPr>
+        <p:spPr/>
+        <p:txBody>
+          <a:bodyPr>
+            <a:normAutofit/>
+          </a:bodyPr>
+          <a:lstStyle/>
+          <a:p>
+            <a:r>
+              <a:rPr lang="en-US" sz="2400" dirty="0"/>
+              <a:t>Key Services/Components in Azure DevOps</a:t>
+            </a:r>
+            <a:endParaRPr lang="en-IN" sz="2400" dirty="0"/>
+          </a:p>
+        </p:txBody>
+      </p:sp>
+      <p:sp>
+        <p:nvSpPr>
+          <p:cNvPr id="5" name="Content Placeholder 4">
+            <a:extLst>
+              <a:ext uri="{FF2B5EF4-FFF2-40B4-BE49-F238E27FC236}">
+                <a16:creationId xmlns:a16="http://schemas.microsoft.com/office/drawing/2014/main" id="{5E621289-FCD8-A87E-01D5-4C916336C056}"/>
+              </a:ext>
+            </a:extLst>
+          </p:cNvPr>
+          <p:cNvSpPr>
+            <a:spLocks noGrp="1"/>
+          </p:cNvSpPr>
+          <p:nvPr>
+            <p:ph sz="quarter" idx="1"/>
+          </p:nvPr>
+        </p:nvSpPr>
+        <p:spPr/>
+        <p:txBody>
+          <a:bodyPr>
+            <a:normAutofit/>
+          </a:bodyPr>
+          <a:lstStyle/>
+          <a:p>
+            <a:r>
+              <a:rPr lang="en-US" sz="2000" b="1" dirty="0"/>
+              <a:t>4. Azure Test Plans</a:t>
+            </a:r>
+          </a:p>
+          <a:p>
+            <a:r>
+              <a:rPr lang="en-US" sz="1800" b="1" dirty="0"/>
+              <a:t>Purpose</a:t>
+            </a:r>
+            <a:r>
+              <a:rPr lang="en-US" sz="1800" dirty="0"/>
+              <a:t>:  Manual and exploratory testing tools.</a:t>
+            </a:r>
+          </a:p>
+          <a:p>
+            <a:r>
+              <a:rPr lang="en-US" sz="1800" b="1" dirty="0"/>
+              <a:t>Features</a:t>
+            </a:r>
+            <a:r>
+              <a:rPr lang="en-US" sz="1800" dirty="0"/>
+              <a:t>:</a:t>
+            </a:r>
+          </a:p>
+          <a:p>
+            <a:r>
+              <a:rPr lang="en-US" sz="1800" dirty="0"/>
+              <a:t>Test case management</a:t>
+            </a:r>
+          </a:p>
+          <a:p>
+            <a:r>
+              <a:rPr lang="en-US" sz="1800" dirty="0"/>
+              <a:t>Test execution and results tracking</a:t>
+            </a:r>
+          </a:p>
+          <a:p>
+            <a:r>
+              <a:rPr lang="en-US" sz="1800" dirty="0"/>
+              <a:t>Bug reporting directly from test runs</a:t>
+            </a:r>
+          </a:p>
+          <a:p>
+            <a:r>
+              <a:rPr lang="en-US" sz="1800" dirty="0"/>
+              <a:t>Rich data capture during testing sessions</a:t>
+            </a:r>
+          </a:p>
+          <a:p>
+            <a:endParaRPr lang="en-IN" sz="1800" dirty="0">
+              <a:latin typeface="Segoe UI" panose="020B0502040204020203" pitchFamily="34" charset="0"/>
+              <a:cs typeface="Segoe UI" panose="020B0502040204020203" pitchFamily="34" charset="0"/>
+            </a:endParaRPr>
+          </a:p>
+          <a:p>
+            <a:endParaRPr lang="en-IN" sz="1800" dirty="0">
+              <a:latin typeface="Segoe UI" panose="020B0502040204020203" pitchFamily="34" charset="0"/>
+              <a:cs typeface="Segoe UI" panose="020B0502040204020203" pitchFamily="34" charset="0"/>
+            </a:endParaRPr>
+          </a:p>
+          <a:p>
+            <a:endParaRPr lang="en-IN" sz="1800" dirty="0">
+              <a:latin typeface="Segoe UI" panose="020B0502040204020203" pitchFamily="34" charset="0"/>
+              <a:cs typeface="Segoe UI" panose="020B0502040204020203" pitchFamily="34" charset="0"/>
+            </a:endParaRPr>
+          </a:p>
+        </p:txBody>
+      </p:sp>
+    </p:spTree>
+    <p:extLst>
+      <p:ext uri="{BB962C8B-B14F-4D97-AF65-F5344CB8AC3E}">
+        <p14:creationId xmlns:p14="http://schemas.microsoft.com/office/powerpoint/2010/main" val="507237545"/>
+      </p:ext>
+    </p:extLst>
+  </p:cSld>
+  <p:clrMapOvr>
+    <a:masterClrMapping/>
+  </p:clrMapOvr>
+</p:sld>
+</file>
+
+<file path=ppt/slides/slide13.xml><?xml version="1.0" encoding="utf-8"?>
+<p:sld xmlns:a="http://schemas.openxmlformats.org/drawingml/2006/main" xmlns:r="http://schemas.openxmlformats.org/officeDocument/2006/relationships" xmlns:p="http://schemas.openxmlformats.org/presentationml/2006/main">
+  <p:cSld>
+    <p:spTree>
+      <p:nvGrpSpPr>
+        <p:cNvPr id="1" name="">
+          <a:extLst>
+            <a:ext uri="{FF2B5EF4-FFF2-40B4-BE49-F238E27FC236}">
+              <a16:creationId xmlns:a16="http://schemas.microsoft.com/office/drawing/2014/main" id="{0D53DDED-5F6E-5DCE-A57F-460046DB20B1}"/>
+            </a:ext>
+          </a:extLst>
+        </p:cNvPr>
+        <p:cNvGrpSpPr/>
+        <p:nvPr/>
+      </p:nvGrpSpPr>
+      <p:grpSpPr>
+        <a:xfrm>
+          <a:off x="0" y="0"/>
+          <a:ext cx="0" cy="0"/>
+          <a:chOff x="0" y="0"/>
+          <a:chExt cx="0" cy="0"/>
+        </a:xfrm>
+      </p:grpSpPr>
+      <p:sp>
+        <p:nvSpPr>
+          <p:cNvPr id="4" name="Title 3">
+            <a:extLst>
+              <a:ext uri="{FF2B5EF4-FFF2-40B4-BE49-F238E27FC236}">
+                <a16:creationId xmlns:a16="http://schemas.microsoft.com/office/drawing/2014/main" id="{B6D23B55-ED4C-59EB-8938-9E1BF307B2AC}"/>
+              </a:ext>
+            </a:extLst>
+          </p:cNvPr>
+          <p:cNvSpPr>
+            <a:spLocks noGrp="1"/>
+          </p:cNvSpPr>
+          <p:nvPr>
+            <p:ph type="title"/>
+          </p:nvPr>
+        </p:nvSpPr>
+        <p:spPr/>
+        <p:txBody>
+          <a:bodyPr>
+            <a:normAutofit/>
+          </a:bodyPr>
+          <a:lstStyle/>
+          <a:p>
+            <a:r>
+              <a:rPr lang="en-US" sz="2400" dirty="0"/>
+              <a:t>Key Services/Components in Azure DevOps</a:t>
+            </a:r>
+            <a:endParaRPr lang="en-IN" sz="2400" dirty="0"/>
+          </a:p>
+        </p:txBody>
+      </p:sp>
+      <p:sp>
+        <p:nvSpPr>
+          <p:cNvPr id="5" name="Content Placeholder 4">
+            <a:extLst>
+              <a:ext uri="{FF2B5EF4-FFF2-40B4-BE49-F238E27FC236}">
+                <a16:creationId xmlns:a16="http://schemas.microsoft.com/office/drawing/2014/main" id="{BBBFB216-C2CF-19F3-737B-ECB9CA4F1BCC}"/>
+              </a:ext>
+            </a:extLst>
+          </p:cNvPr>
+          <p:cNvSpPr>
+            <a:spLocks noGrp="1"/>
+          </p:cNvSpPr>
+          <p:nvPr>
+            <p:ph sz="quarter" idx="1"/>
+          </p:nvPr>
+        </p:nvSpPr>
+        <p:spPr/>
+        <p:txBody>
+          <a:bodyPr>
+            <a:normAutofit/>
+          </a:bodyPr>
+          <a:lstStyle/>
+          <a:p>
+            <a:r>
+              <a:rPr lang="en-US" sz="2000" b="1" dirty="0"/>
+              <a:t>4.Azure Artifacts</a:t>
+            </a:r>
+          </a:p>
+          <a:p>
+            <a:r>
+              <a:rPr lang="en-US" sz="1800" b="1" dirty="0"/>
+              <a:t>Purpose</a:t>
+            </a:r>
+            <a:r>
+              <a:rPr lang="en-US" sz="1800" dirty="0"/>
+              <a:t>: Package management and distribution.</a:t>
+            </a:r>
+          </a:p>
+          <a:p>
+            <a:r>
+              <a:rPr lang="en-US" sz="1800" b="1" dirty="0"/>
+              <a:t>Features</a:t>
+            </a:r>
+            <a:r>
+              <a:rPr lang="en-US" sz="1800" dirty="0"/>
+              <a:t>:</a:t>
+            </a:r>
+          </a:p>
+          <a:p>
+            <a:r>
+              <a:rPr lang="en-US" sz="1800" dirty="0"/>
+              <a:t>Host and share NuGet, </a:t>
+            </a:r>
+            <a:r>
+              <a:rPr lang="en-US" sz="1800" dirty="0" err="1"/>
+              <a:t>npm</a:t>
+            </a:r>
+            <a:r>
+              <a:rPr lang="en-US" sz="1800" dirty="0"/>
+              <a:t>, Maven, Python, and Universal packages</a:t>
+            </a:r>
+          </a:p>
+          <a:p>
+            <a:r>
+              <a:rPr lang="en-US" sz="1800" dirty="0"/>
+              <a:t>Integrates with CI/CD pipelines</a:t>
+            </a:r>
+          </a:p>
+          <a:p>
+            <a:r>
+              <a:rPr lang="en-US" sz="1800" dirty="0"/>
+              <a:t>Controls over versioning and access</a:t>
+            </a:r>
+          </a:p>
+          <a:p>
+            <a:r>
+              <a:rPr lang="en-US" sz="1800" dirty="0"/>
+              <a:t>Rich data capture during testing sessions</a:t>
+            </a:r>
+          </a:p>
+          <a:p>
+            <a:r>
+              <a:rPr lang="en-IN" sz="1800" b="1" dirty="0">
+                <a:latin typeface="Segoe UI" panose="020B0502040204020203" pitchFamily="34" charset="0"/>
+                <a:cs typeface="Segoe UI" panose="020B0502040204020203" pitchFamily="34" charset="0"/>
+              </a:rPr>
+              <a:t>Bonus: Extensions and Integrations</a:t>
+            </a:r>
+          </a:p>
+          <a:p>
+            <a:r>
+              <a:rPr lang="en-US" sz="1800" dirty="0">
+                <a:cs typeface="Segoe UI" panose="020B0502040204020203" pitchFamily="34" charset="0"/>
+              </a:rPr>
+              <a:t>Azure DevOps integrates with a wide range of tools and has a marketplace for adding features such as Slack notifications, </a:t>
+            </a:r>
+            <a:r>
+              <a:rPr lang="en-US" sz="1800" dirty="0" err="1">
+                <a:cs typeface="Segoe UI" panose="020B0502040204020203" pitchFamily="34" charset="0"/>
+              </a:rPr>
+              <a:t>SonarCloud</a:t>
+            </a:r>
+            <a:r>
+              <a:rPr lang="en-US" sz="1800" dirty="0">
+                <a:cs typeface="Segoe UI" panose="020B0502040204020203" pitchFamily="34" charset="0"/>
+              </a:rPr>
+              <a:t> analysis, and more.</a:t>
+            </a:r>
+            <a:endParaRPr lang="en-IN" sz="1800" dirty="0">
+              <a:cs typeface="Segoe UI" panose="020B0502040204020203" pitchFamily="34" charset="0"/>
+            </a:endParaRPr>
+          </a:p>
+          <a:p>
+            <a:endParaRPr lang="en-IN" sz="1800" dirty="0">
+              <a:latin typeface="Segoe UI" panose="020B0502040204020203" pitchFamily="34" charset="0"/>
+              <a:cs typeface="Segoe UI" panose="020B0502040204020203" pitchFamily="34" charset="0"/>
+            </a:endParaRPr>
+          </a:p>
+        </p:txBody>
+      </p:sp>
+    </p:spTree>
+    <p:extLst>
+      <p:ext uri="{BB962C8B-B14F-4D97-AF65-F5344CB8AC3E}">
+        <p14:creationId xmlns:p14="http://schemas.microsoft.com/office/powerpoint/2010/main" val="1022193353"/>
+      </p:ext>
+    </p:extLst>
+  </p:cSld>
+  <p:clrMapOvr>
+    <a:masterClrMapping/>
+  </p:clrMapOvr>
+</p:sld>
+</file>
+
+<file path=ppt/slides/slide14.xml><?xml version="1.0" encoding="utf-8"?>
+<p:sld xmlns:a="http://schemas.openxmlformats.org/drawingml/2006/main" xmlns:r="http://schemas.openxmlformats.org/officeDocument/2006/relationships" xmlns:p="http://schemas.openxmlformats.org/presentationml/2006/main">
+  <p:cSld>
+    <p:spTree>
+      <p:nvGrpSpPr>
+        <p:cNvPr id="1" name="">
+          <a:extLst>
+            <a:ext uri="{FF2B5EF4-FFF2-40B4-BE49-F238E27FC236}">
+              <a16:creationId xmlns:a16="http://schemas.microsoft.com/office/drawing/2014/main" id="{6978D548-BAF2-64BB-A17E-52E6EC2ED943}"/>
+            </a:ext>
+          </a:extLst>
+        </p:cNvPr>
+        <p:cNvGrpSpPr/>
+        <p:nvPr/>
+      </p:nvGrpSpPr>
+      <p:grpSpPr>
+        <a:xfrm>
+          <a:off x="0" y="0"/>
+          <a:ext cx="0" cy="0"/>
+          <a:chOff x="0" y="0"/>
+          <a:chExt cx="0" cy="0"/>
+        </a:xfrm>
+      </p:grpSpPr>
+      <p:sp>
+        <p:nvSpPr>
+          <p:cNvPr id="4" name="Title 3">
+            <a:extLst>
+              <a:ext uri="{FF2B5EF4-FFF2-40B4-BE49-F238E27FC236}">
+                <a16:creationId xmlns:a16="http://schemas.microsoft.com/office/drawing/2014/main" id="{3B94A37A-CDFB-F0A1-6A1E-32F6E0D0B464}"/>
+              </a:ext>
+            </a:extLst>
+          </p:cNvPr>
+          <p:cNvSpPr>
+            <a:spLocks noGrp="1"/>
+          </p:cNvSpPr>
+          <p:nvPr>
+            <p:ph type="title"/>
+          </p:nvPr>
+        </p:nvSpPr>
+        <p:spPr/>
+        <p:txBody>
+          <a:bodyPr>
+            <a:normAutofit/>
+          </a:bodyPr>
+          <a:lstStyle/>
+          <a:p>
+            <a:r>
+              <a:rPr lang="en-US" sz="2400" dirty="0"/>
+              <a:t>Key Services/Components in Azure DevOps</a:t>
+            </a:r>
+            <a:endParaRPr lang="en-IN" sz="2400" dirty="0"/>
+          </a:p>
+        </p:txBody>
+      </p:sp>
+      <p:pic>
+        <p:nvPicPr>
+          <p:cNvPr id="2050" name="Picture 2" descr="Generated image">
+            <a:extLst>
+              <a:ext uri="{FF2B5EF4-FFF2-40B4-BE49-F238E27FC236}">
+                <a16:creationId xmlns:a16="http://schemas.microsoft.com/office/drawing/2014/main" id="{9B27664C-C156-7E97-F326-CA26FF55892B}"/>
+              </a:ext>
+            </a:extLst>
+          </p:cNvPr>
+          <p:cNvPicPr>
+            <a:picLocks noGrp="1" noChangeAspect="1" noChangeArrowheads="1"/>
+          </p:cNvPicPr>
+          <p:nvPr>
+            <p:ph sz="quarter" idx="1"/>
+          </p:nvPr>
+        </p:nvPicPr>
+        <p:blipFill>
+          <a:blip r:embed="rId2">
+            <a:extLst>
+              <a:ext uri="{28A0092B-C50C-407E-A947-70E740481C1C}">
+                <a14:useLocalDpi xmlns:a14="http://schemas.microsoft.com/office/drawing/2010/main" val="0"/>
+              </a:ext>
+            </a:extLst>
+          </a:blip>
+          <a:srcRect/>
+          <a:stretch>
+            <a:fillRect/>
+          </a:stretch>
+        </p:blipFill>
+        <p:spPr bwMode="auto">
+          <a:xfrm>
+            <a:off x="2881313" y="1600200"/>
+            <a:ext cx="6743700" cy="4495800"/>
+          </a:xfrm>
+          <a:prstGeom prst="rect">
+            <a:avLst/>
+          </a:prstGeom>
+          <a:noFill/>
+          <a:extLst>
+            <a:ext uri="{909E8E84-426E-40DD-AFC4-6F175D3DCCD1}">
+              <a14:hiddenFill xmlns:a14="http://schemas.microsoft.com/office/drawing/2010/main">
+                <a:solidFill>
+                  <a:srgbClr val="FFFFFF"/>
+                </a:solidFill>
+              </a14:hiddenFill>
+            </a:ext>
+          </a:extLst>
+        </p:spPr>
+      </p:pic>
+    </p:spTree>
+    <p:extLst>
+      <p:ext uri="{BB962C8B-B14F-4D97-AF65-F5344CB8AC3E}">
+        <p14:creationId xmlns:p14="http://schemas.microsoft.com/office/powerpoint/2010/main" val="2212476678"/>
       </p:ext>
     </p:extLst>
   </p:cSld>
@@ -7541,141 +8310,93 @@
         <p:spPr/>
         <p:txBody>
           <a:bodyPr>
-            <a:normAutofit fontScale="92500" lnSpcReduction="20000"/>
+            <a:normAutofit/>
           </a:bodyPr>
           <a:lstStyle/>
           <a:p>
             <a:r>
-              <a:rPr lang="en-US" sz="1800" b="1" dirty="0">
-                <a:latin typeface="Segoe UI" panose="020B0502040204020203" pitchFamily="34" charset="0"/>
-                <a:cs typeface="Segoe UI" panose="020B0502040204020203" pitchFamily="34" charset="0"/>
-              </a:rPr>
-              <a:t>Reliability: </a:t>
-            </a:r>
-            <a:r>
-              <a:rPr lang="en-US" sz="1800" dirty="0">
-                <a:latin typeface="Segoe UI" panose="020B0502040204020203" pitchFamily="34" charset="0"/>
-                <a:cs typeface="Segoe UI" panose="020B0502040204020203" pitchFamily="34" charset="0"/>
-              </a:rPr>
-              <a:t>Azure DevOps is reliable, scalable, and globally available.</a:t>
-            </a:r>
-          </a:p>
-          <a:p>
-            <a:r>
-              <a:rPr lang="en-US" sz="1800" b="1" dirty="0">
-                <a:latin typeface="Segoe UI" panose="020B0502040204020203" pitchFamily="34" charset="0"/>
-                <a:cs typeface="Segoe UI" panose="020B0502040204020203" pitchFamily="34" charset="0"/>
-              </a:rPr>
-              <a:t>Accessibility: </a:t>
-            </a:r>
-            <a:r>
-              <a:rPr lang="en-US" sz="1800" dirty="0">
-                <a:latin typeface="Segoe UI" panose="020B0502040204020203" pitchFamily="34" charset="0"/>
-                <a:cs typeface="Segoe UI" panose="020B0502040204020203" pitchFamily="34" charset="0"/>
-              </a:rPr>
-              <a:t>Azure DevOps users get access to new features every 3 weeks. Microsoft is transparent.</a:t>
-            </a:r>
-          </a:p>
-          <a:p>
-            <a:r>
-              <a:rPr lang="en-US" sz="1800" b="1" dirty="0">
-                <a:latin typeface="Segoe UI" panose="020B0502040204020203" pitchFamily="34" charset="0"/>
-                <a:cs typeface="Segoe UI" panose="020B0502040204020203" pitchFamily="34" charset="0"/>
-              </a:rPr>
-              <a:t>Flexibility: </a:t>
-            </a:r>
-            <a:r>
-              <a:rPr lang="en-US" sz="1800" dirty="0">
-                <a:latin typeface="Segoe UI" panose="020B0502040204020203" pitchFamily="34" charset="0"/>
-                <a:cs typeface="Segoe UI" panose="020B0502040204020203" pitchFamily="34" charset="0"/>
-              </a:rPr>
-              <a:t>If your DevOps team doesn’t want or need the full suite of services, they can acquire them independently.</a:t>
-            </a:r>
-          </a:p>
-          <a:p>
-            <a:r>
-              <a:rPr lang="en-US" sz="1800" b="1" dirty="0">
-                <a:latin typeface="Segoe UI" panose="020B0502040204020203" pitchFamily="34" charset="0"/>
-                <a:cs typeface="Segoe UI" panose="020B0502040204020203" pitchFamily="34" charset="0"/>
-              </a:rPr>
-              <a:t>End of upgrade cycle: </a:t>
-            </a:r>
-            <a:r>
-              <a:rPr lang="en-US" sz="1800" dirty="0">
-                <a:latin typeface="Segoe UI" panose="020B0502040204020203" pitchFamily="34" charset="0"/>
-                <a:cs typeface="Segoe UI" panose="020B0502040204020203" pitchFamily="34" charset="0"/>
-              </a:rPr>
-              <a:t>For organizations running on-premises CI/CD tooling, upgrading is difficult. By SaaS, it is an easy task.</a:t>
-            </a:r>
-          </a:p>
-          <a:p>
-            <a:r>
-              <a:rPr lang="en-US" sz="1800" b="1" dirty="0">
-                <a:latin typeface="Segoe UI" panose="020B0502040204020203" pitchFamily="34" charset="0"/>
-                <a:cs typeface="Segoe UI" panose="020B0502040204020203" pitchFamily="34" charset="0"/>
-              </a:rPr>
-              <a:t>Continuous Integration &amp; Continuous Delivery (CI - CD)</a:t>
-            </a:r>
-          </a:p>
-          <a:p>
-            <a:r>
-              <a:rPr lang="en-US" sz="1800" dirty="0">
-                <a:latin typeface="Segoe UI" panose="020B0502040204020203" pitchFamily="34" charset="0"/>
-                <a:cs typeface="Segoe UI" panose="020B0502040204020203" pitchFamily="34" charset="0"/>
-              </a:rPr>
-              <a:t>When the code is committed, it automatically builds and is tested for errors, enabling bugs detection early. Business organizations can achieve fast and identical deployment to the production environment at any given time.</a:t>
-            </a:r>
-          </a:p>
-          <a:p>
-            <a:r>
-              <a:rPr lang="en-US" sz="1800" b="1" dirty="0">
-                <a:latin typeface="Segoe UI" panose="020B0502040204020203" pitchFamily="34" charset="0"/>
-                <a:cs typeface="Segoe UI" panose="020B0502040204020203" pitchFamily="34" charset="0"/>
-              </a:rPr>
-              <a:t>Automation Testing</a:t>
-            </a:r>
-          </a:p>
-          <a:p>
-            <a:r>
-              <a:rPr lang="en-US" sz="1800" dirty="0">
-                <a:latin typeface="Segoe UI" panose="020B0502040204020203" pitchFamily="34" charset="0"/>
-                <a:cs typeface="Segoe UI" panose="020B0502040204020203" pitchFamily="34" charset="0"/>
-              </a:rPr>
-              <a:t>The use of automated tests, such as security and compliance tests identify problems at the testing phase. We can quickly provision resources and configures the entire production environment in a quick time.</a:t>
-            </a:r>
-          </a:p>
-          <a:p>
-            <a:r>
-              <a:rPr lang="en-US" sz="1800" b="1" dirty="0">
-                <a:latin typeface="Segoe UI" panose="020B0502040204020203" pitchFamily="34" charset="0"/>
-                <a:cs typeface="Segoe UI" panose="020B0502040204020203" pitchFamily="34" charset="0"/>
-              </a:rPr>
-              <a:t>Any Platform, Any Language</a:t>
-            </a:r>
-          </a:p>
-          <a:p>
-            <a:r>
-              <a:rPr lang="en-US" sz="1800" dirty="0">
-                <a:latin typeface="Segoe UI" panose="020B0502040204020203" pitchFamily="34" charset="0"/>
-                <a:cs typeface="Segoe UI" panose="020B0502040204020203" pitchFamily="34" charset="0"/>
-              </a:rPr>
-              <a:t>It supports various platforms and a runs on multiple frameworks. The developers using Java, Node, PHP, .NET, and Python can efficiently work on it.</a:t>
-            </a:r>
-          </a:p>
-          <a:p>
-            <a:endParaRPr lang="en-US" sz="1800" dirty="0">
+              <a:rPr lang="en-US" sz="2000" dirty="0"/>
+              <a:t>Fully </a:t>
+            </a:r>
+            <a:r>
+              <a:rPr lang="en-US" sz="2000" b="1" dirty="0"/>
+              <a:t>integrated with GitHub</a:t>
+            </a:r>
+            <a:r>
+              <a:rPr lang="en-US" sz="2000" dirty="0"/>
+              <a:t>, Visual Studio, and other tools.</a:t>
+            </a:r>
+          </a:p>
+          <a:p>
+            <a:r>
+              <a:rPr lang="en-US" sz="2000" b="1" dirty="0"/>
+              <a:t>Cloud-based</a:t>
+            </a:r>
+            <a:r>
+              <a:rPr lang="en-US" sz="2000" dirty="0"/>
+              <a:t> and </a:t>
+            </a:r>
+            <a:r>
+              <a:rPr lang="en-US" sz="2000" b="1" dirty="0"/>
+              <a:t>scalable</a:t>
+            </a:r>
+            <a:r>
+              <a:rPr lang="en-US" sz="2000" dirty="0"/>
+              <a:t>, but also available on-premises as Azure DevOps Server.</a:t>
+            </a:r>
+          </a:p>
+          <a:p>
+            <a:r>
+              <a:rPr lang="en-US" sz="2000" dirty="0"/>
+              <a:t>Promotes </a:t>
+            </a:r>
+            <a:r>
+              <a:rPr lang="en-US" sz="2000" b="1" dirty="0"/>
+              <a:t>collaboration</a:t>
+            </a:r>
+            <a:r>
+              <a:rPr lang="en-US" sz="2000" dirty="0"/>
+              <a:t>, </a:t>
+            </a:r>
+            <a:r>
+              <a:rPr lang="en-US" sz="2000" b="1" dirty="0"/>
+              <a:t>automation</a:t>
+            </a:r>
+            <a:r>
+              <a:rPr lang="en-US" sz="2000" dirty="0"/>
+              <a:t>, and </a:t>
+            </a:r>
+            <a:r>
+              <a:rPr lang="en-US" sz="2000" b="1" dirty="0"/>
+              <a:t>agile workflows</a:t>
+            </a:r>
+            <a:r>
+              <a:rPr lang="en-US" sz="2000" dirty="0"/>
+              <a:t>.</a:t>
+            </a:r>
+          </a:p>
+          <a:p>
+            <a:r>
+              <a:rPr lang="en-US" sz="2000" b="1" dirty="0"/>
+              <a:t>End-to-end toolchain</a:t>
+            </a:r>
+            <a:r>
+              <a:rPr lang="en-US" sz="2000" dirty="0"/>
+              <a:t> for DevOps.</a:t>
+            </a:r>
+            <a:endParaRPr lang="en-US" sz="2000" dirty="0">
               <a:latin typeface="Segoe UI" panose="020B0502040204020203" pitchFamily="34" charset="0"/>
               <a:cs typeface="Segoe UI" panose="020B0502040204020203" pitchFamily="34" charset="0"/>
             </a:endParaRPr>
           </a:p>
           <a:p>
-            <a:endParaRPr lang="en-US" sz="1800" dirty="0">
+            <a:endParaRPr lang="en-US" sz="2000" dirty="0">
               <a:latin typeface="Segoe UI" panose="020B0502040204020203" pitchFamily="34" charset="0"/>
               <a:cs typeface="Segoe UI" panose="020B0502040204020203" pitchFamily="34" charset="0"/>
             </a:endParaRPr>
           </a:p>
           <a:p>
-            <a:endParaRPr lang="en-IN" sz="1800" dirty="0">
+            <a:endParaRPr lang="en-IN" sz="2000" dirty="0">
               <a:latin typeface="Segoe UI" panose="020B0502040204020203" pitchFamily="34" charset="0"/>
               <a:cs typeface="Segoe UI" panose="020B0502040204020203" pitchFamily="34" charset="0"/>
             </a:endParaRPr>
@@ -8608,6 +9329,672 @@
   <p:cSld>
     <p:spTree>
       <p:nvGrpSpPr>
+        <p:cNvPr id="1" name="">
+          <a:extLst>
+            <a:ext uri="{FF2B5EF4-FFF2-40B4-BE49-F238E27FC236}">
+              <a16:creationId xmlns:a16="http://schemas.microsoft.com/office/drawing/2014/main" id="{AA9F84D1-4E22-D0D4-5EDF-53D24CF099E3}"/>
+            </a:ext>
+          </a:extLst>
+        </p:cNvPr>
+        <p:cNvGrpSpPr/>
+        <p:nvPr/>
+      </p:nvGrpSpPr>
+      <p:grpSpPr>
+        <a:xfrm>
+          <a:off x="0" y="0"/>
+          <a:ext cx="0" cy="0"/>
+          <a:chOff x="0" y="0"/>
+          <a:chExt cx="0" cy="0"/>
+        </a:xfrm>
+      </p:grpSpPr>
+      <p:sp>
+        <p:nvSpPr>
+          <p:cNvPr id="4" name="Title 3">
+            <a:extLst>
+              <a:ext uri="{FF2B5EF4-FFF2-40B4-BE49-F238E27FC236}">
+                <a16:creationId xmlns:a16="http://schemas.microsoft.com/office/drawing/2014/main" id="{EB11A352-2F99-F74E-BBB4-8A6FFFDA0062}"/>
+              </a:ext>
+            </a:extLst>
+          </p:cNvPr>
+          <p:cNvSpPr>
+            <a:spLocks noGrp="1"/>
+          </p:cNvSpPr>
+          <p:nvPr>
+            <p:ph type="title"/>
+          </p:nvPr>
+        </p:nvSpPr>
+        <p:spPr/>
+        <p:txBody>
+          <a:bodyPr>
+            <a:normAutofit/>
+          </a:bodyPr>
+          <a:lstStyle/>
+          <a:p>
+            <a:r>
+              <a:rPr lang="en-US" sz="2400" dirty="0"/>
+              <a:t>Use Cases</a:t>
+            </a:r>
+            <a:endParaRPr lang="en-IN" sz="2400" dirty="0"/>
+          </a:p>
+        </p:txBody>
+      </p:sp>
+      <p:sp>
+        <p:nvSpPr>
+          <p:cNvPr id="5" name="Content Placeholder 4">
+            <a:extLst>
+              <a:ext uri="{FF2B5EF4-FFF2-40B4-BE49-F238E27FC236}">
+                <a16:creationId xmlns:a16="http://schemas.microsoft.com/office/drawing/2014/main" id="{96E4B7D0-428A-82EC-8EFC-601DDAEC9C43}"/>
+              </a:ext>
+            </a:extLst>
+          </p:cNvPr>
+          <p:cNvSpPr>
+            <a:spLocks noGrp="1"/>
+          </p:cNvSpPr>
+          <p:nvPr>
+            <p:ph sz="quarter" idx="1"/>
+          </p:nvPr>
+        </p:nvSpPr>
+        <p:spPr/>
+        <p:txBody>
+          <a:bodyPr>
+            <a:normAutofit/>
+          </a:bodyPr>
+          <a:lstStyle/>
+          <a:p>
+            <a:r>
+              <a:rPr lang="en-US" sz="1800" dirty="0">
+                <a:cs typeface="Segoe UI" panose="020B0502040204020203" pitchFamily="34" charset="0"/>
+              </a:rPr>
+              <a:t>Automating builds and deployments with pipelines.</a:t>
+            </a:r>
+          </a:p>
+          <a:p>
+            <a:r>
+              <a:rPr lang="en-US" sz="1800" dirty="0"/>
+              <a:t>Managing agile development with sprints and boards.</a:t>
+            </a:r>
+          </a:p>
+          <a:p>
+            <a:r>
+              <a:rPr lang="en-US" sz="1800" dirty="0"/>
+              <a:t>Performing code reviews and branching strategies.</a:t>
+            </a:r>
+          </a:p>
+          <a:p>
+            <a:r>
+              <a:rPr lang="en-US" sz="1800" dirty="0"/>
+              <a:t>Hosting and managing project repositories.</a:t>
+            </a:r>
+            <a:endParaRPr lang="en-US" sz="1800" dirty="0">
+              <a:cs typeface="Segoe UI" panose="020B0502040204020203" pitchFamily="34" charset="0"/>
+            </a:endParaRPr>
+          </a:p>
+          <a:p>
+            <a:endParaRPr lang="en-US" sz="1800" dirty="0">
+              <a:cs typeface="Segoe UI" panose="020B0502040204020203" pitchFamily="34" charset="0"/>
+            </a:endParaRPr>
+          </a:p>
+          <a:p>
+            <a:endParaRPr lang="en-IN" sz="1800" dirty="0">
+              <a:cs typeface="Segoe UI" panose="020B0502040204020203" pitchFamily="34" charset="0"/>
+            </a:endParaRPr>
+          </a:p>
+          <a:p>
+            <a:endParaRPr lang="en-IN" sz="1800" dirty="0">
+              <a:cs typeface="Segoe UI" panose="020B0502040204020203" pitchFamily="34" charset="0"/>
+            </a:endParaRPr>
+          </a:p>
+        </p:txBody>
+      </p:sp>
+    </p:spTree>
+    <p:extLst>
+      <p:ext uri="{BB962C8B-B14F-4D97-AF65-F5344CB8AC3E}">
+        <p14:creationId xmlns:p14="http://schemas.microsoft.com/office/powerpoint/2010/main" val="2849809216"/>
+      </p:ext>
+    </p:extLst>
+  </p:cSld>
+  <p:clrMapOvr>
+    <a:masterClrMapping/>
+  </p:clrMapOvr>
+</p:sld>
+</file>
+
+<file path=ppt/slides/slide6.xml><?xml version="1.0" encoding="utf-8"?>
+<p:sld xmlns:a="http://schemas.openxmlformats.org/drawingml/2006/main" xmlns:r="http://schemas.openxmlformats.org/officeDocument/2006/relationships" xmlns:p="http://schemas.openxmlformats.org/presentationml/2006/main">
+  <p:cSld>
+    <p:spTree>
+      <p:nvGrpSpPr>
+        <p:cNvPr id="1" name="">
+          <a:extLst>
+            <a:ext uri="{FF2B5EF4-FFF2-40B4-BE49-F238E27FC236}">
+              <a16:creationId xmlns:a16="http://schemas.microsoft.com/office/drawing/2014/main" id="{D7131B5C-8AA5-647F-035F-6C59E17855ED}"/>
+            </a:ext>
+          </a:extLst>
+        </p:cNvPr>
+        <p:cNvGrpSpPr/>
+        <p:nvPr/>
+      </p:nvGrpSpPr>
+      <p:grpSpPr>
+        <a:xfrm>
+          <a:off x="0" y="0"/>
+          <a:ext cx="0" cy="0"/>
+          <a:chOff x="0" y="0"/>
+          <a:chExt cx="0" cy="0"/>
+        </a:xfrm>
+      </p:grpSpPr>
+      <p:sp>
+        <p:nvSpPr>
+          <p:cNvPr id="4" name="Title 3">
+            <a:extLst>
+              <a:ext uri="{FF2B5EF4-FFF2-40B4-BE49-F238E27FC236}">
+                <a16:creationId xmlns:a16="http://schemas.microsoft.com/office/drawing/2014/main" id="{71C52590-310C-DC5E-5E9C-A5DD20722A0A}"/>
+              </a:ext>
+            </a:extLst>
+          </p:cNvPr>
+          <p:cNvSpPr>
+            <a:spLocks noGrp="1"/>
+          </p:cNvSpPr>
+          <p:nvPr>
+            <p:ph type="title"/>
+          </p:nvPr>
+        </p:nvSpPr>
+        <p:spPr/>
+        <p:txBody>
+          <a:bodyPr>
+            <a:normAutofit/>
+          </a:bodyPr>
+          <a:lstStyle/>
+          <a:p>
+            <a:r>
+              <a:rPr lang="en-US" sz="2400" dirty="0"/>
+              <a:t>Why Choose Azure DevOps?</a:t>
+            </a:r>
+            <a:endParaRPr lang="en-IN" sz="2400" dirty="0"/>
+          </a:p>
+        </p:txBody>
+      </p:sp>
+      <p:sp>
+        <p:nvSpPr>
+          <p:cNvPr id="5" name="Content Placeholder 4">
+            <a:extLst>
+              <a:ext uri="{FF2B5EF4-FFF2-40B4-BE49-F238E27FC236}">
+                <a16:creationId xmlns:a16="http://schemas.microsoft.com/office/drawing/2014/main" id="{7FE04D8C-D5FF-9448-AC37-93E18DAB2377}"/>
+              </a:ext>
+            </a:extLst>
+          </p:cNvPr>
+          <p:cNvSpPr>
+            <a:spLocks noGrp="1"/>
+          </p:cNvSpPr>
+          <p:nvPr>
+            <p:ph sz="quarter" idx="1"/>
+          </p:nvPr>
+        </p:nvSpPr>
+        <p:spPr/>
+        <p:txBody>
+          <a:bodyPr>
+            <a:normAutofit fontScale="92500" lnSpcReduction="10000"/>
+          </a:bodyPr>
+          <a:lstStyle/>
+          <a:p>
+            <a:r>
+              <a:rPr lang="en-US" sz="1800" dirty="0">
+                <a:cs typeface="Segoe UI" panose="020B0502040204020203" pitchFamily="34" charset="0"/>
+              </a:rPr>
+              <a:t>Azure DevOps stands out as a comprehensive and flexible platform for modern software development teams.</a:t>
+            </a:r>
+          </a:p>
+          <a:p>
+            <a:r>
+              <a:rPr lang="en-US" sz="1800" dirty="0"/>
+              <a:t>Here are the key reasons why organizations choose Azure DevOps:</a:t>
+            </a:r>
+          </a:p>
+          <a:p>
+            <a:r>
+              <a:rPr lang="en-US" sz="1400" dirty="0"/>
+              <a:t>🌐 </a:t>
+            </a:r>
+            <a:r>
+              <a:rPr lang="en-US" sz="1400" b="1" dirty="0"/>
+              <a:t>1. </a:t>
+            </a:r>
+            <a:r>
+              <a:rPr lang="en-US" sz="2000" b="1" dirty="0"/>
+              <a:t>All-in-One DevOps Platform</a:t>
+            </a:r>
+            <a:endParaRPr lang="en-US" sz="2000" b="1" dirty="0">
+              <a:cs typeface="Segoe UI" panose="020B0502040204020203" pitchFamily="34" charset="0"/>
+            </a:endParaRPr>
+          </a:p>
+          <a:p>
+            <a:pPr lvl="1"/>
+            <a:r>
+              <a:rPr lang="en-US" sz="1800" dirty="0"/>
+              <a:t>Azure DevOps offers a </a:t>
+            </a:r>
+            <a:r>
+              <a:rPr lang="en-US" sz="1800" b="1" dirty="0"/>
+              <a:t>complete toolchain</a:t>
+            </a:r>
+            <a:r>
+              <a:rPr lang="en-US" sz="1800" dirty="0"/>
+              <a:t> for software development and delivery:</a:t>
+            </a:r>
+          </a:p>
+          <a:p>
+            <a:pPr lvl="2"/>
+            <a:r>
+              <a:rPr lang="en-US" sz="1800" dirty="0"/>
+              <a:t>Planning (Azure Boards)</a:t>
+            </a:r>
+          </a:p>
+          <a:p>
+            <a:pPr lvl="2"/>
+            <a:r>
+              <a:rPr lang="en-US" sz="1800" dirty="0"/>
+              <a:t>Development (Azure Repos)</a:t>
+            </a:r>
+          </a:p>
+          <a:p>
+            <a:pPr lvl="2"/>
+            <a:r>
+              <a:rPr lang="en-US" sz="1800" dirty="0"/>
+              <a:t>Testing (Azure Test Plans)</a:t>
+            </a:r>
+          </a:p>
+          <a:p>
+            <a:pPr lvl="2"/>
+            <a:r>
+              <a:rPr lang="en-US" sz="1800" dirty="0"/>
+              <a:t>Delivery (Azure Pipelines)</a:t>
+            </a:r>
+          </a:p>
+          <a:p>
+            <a:pPr lvl="2"/>
+            <a:r>
+              <a:rPr lang="en-US" sz="1800" dirty="0"/>
+              <a:t>Package Management (Azure Artifacts)</a:t>
+            </a:r>
+          </a:p>
+          <a:p>
+            <a:pPr lvl="1"/>
+            <a:r>
+              <a:rPr lang="en-US" sz="1800" dirty="0"/>
+              <a:t>This reduces the need to integrate and manage multiple third-party tools.</a:t>
+            </a:r>
+          </a:p>
+          <a:p>
+            <a:r>
+              <a:rPr lang="en-US" sz="2000" dirty="0"/>
+              <a:t>🔁 </a:t>
+            </a:r>
+            <a:r>
+              <a:rPr lang="en-US" sz="2000" b="1" dirty="0"/>
+              <a:t>2. Supports Any Language, Platform, or Cloud</a:t>
+            </a:r>
+          </a:p>
+          <a:p>
+            <a:pPr lvl="1"/>
+            <a:r>
+              <a:rPr lang="en-US" sz="1800" dirty="0"/>
+              <a:t>Works with </a:t>
+            </a:r>
+            <a:r>
+              <a:rPr lang="en-US" sz="1800" b="1" dirty="0"/>
+              <a:t>.NET, Java, Node.js, Python</a:t>
+            </a:r>
+            <a:r>
+              <a:rPr lang="en-US" sz="1800" dirty="0"/>
+              <a:t>, and more.</a:t>
+            </a:r>
+            <a:endParaRPr lang="en-US" sz="1800" b="1" dirty="0"/>
+          </a:p>
+          <a:p>
+            <a:pPr lvl="1"/>
+            <a:r>
+              <a:rPr lang="en-US" sz="1800" dirty="0"/>
+              <a:t>Supports building and deploying to </a:t>
+            </a:r>
+            <a:r>
+              <a:rPr lang="en-US" sz="1800" b="1" dirty="0"/>
+              <a:t>Windows, Linux, or macOS</a:t>
+            </a:r>
+            <a:r>
+              <a:rPr lang="en-US" sz="1800" dirty="0"/>
+              <a:t>.</a:t>
+            </a:r>
+            <a:endParaRPr lang="en-US" sz="1800" b="1" dirty="0"/>
+          </a:p>
+          <a:p>
+            <a:pPr lvl="1"/>
+            <a:r>
+              <a:rPr lang="en-US" sz="1800" dirty="0"/>
+              <a:t>Compatible with </a:t>
+            </a:r>
+            <a:r>
+              <a:rPr lang="en-US" sz="1800" b="1" dirty="0"/>
+              <a:t>Azure, AWS, GCP</a:t>
+            </a:r>
+            <a:r>
+              <a:rPr lang="en-US" sz="1800" dirty="0"/>
+              <a:t>, or on-premises environments.</a:t>
+            </a:r>
+          </a:p>
+          <a:p>
+            <a:endParaRPr lang="en-US" sz="1400" dirty="0">
+              <a:cs typeface="Segoe UI" panose="020B0502040204020203" pitchFamily="34" charset="0"/>
+            </a:endParaRPr>
+          </a:p>
+          <a:p>
+            <a:endParaRPr lang="en-IN" sz="1400" dirty="0">
+              <a:cs typeface="Segoe UI" panose="020B0502040204020203" pitchFamily="34" charset="0"/>
+            </a:endParaRPr>
+          </a:p>
+          <a:p>
+            <a:endParaRPr lang="en-IN" sz="1400" dirty="0">
+              <a:cs typeface="Segoe UI" panose="020B0502040204020203" pitchFamily="34" charset="0"/>
+            </a:endParaRPr>
+          </a:p>
+        </p:txBody>
+      </p:sp>
+    </p:spTree>
+    <p:extLst>
+      <p:ext uri="{BB962C8B-B14F-4D97-AF65-F5344CB8AC3E}">
+        <p14:creationId xmlns:p14="http://schemas.microsoft.com/office/powerpoint/2010/main" val="3164872179"/>
+      </p:ext>
+    </p:extLst>
+  </p:cSld>
+  <p:clrMapOvr>
+    <a:masterClrMapping/>
+  </p:clrMapOvr>
+</p:sld>
+</file>
+
+<file path=ppt/slides/slide7.xml><?xml version="1.0" encoding="utf-8"?>
+<p:sld xmlns:a="http://schemas.openxmlformats.org/drawingml/2006/main" xmlns:r="http://schemas.openxmlformats.org/officeDocument/2006/relationships" xmlns:p="http://schemas.openxmlformats.org/presentationml/2006/main">
+  <p:cSld>
+    <p:spTree>
+      <p:nvGrpSpPr>
+        <p:cNvPr id="1" name="">
+          <a:extLst>
+            <a:ext uri="{FF2B5EF4-FFF2-40B4-BE49-F238E27FC236}">
+              <a16:creationId xmlns:a16="http://schemas.microsoft.com/office/drawing/2014/main" id="{8807985E-FE68-5269-9BA0-F75B4938D8D3}"/>
+            </a:ext>
+          </a:extLst>
+        </p:cNvPr>
+        <p:cNvGrpSpPr/>
+        <p:nvPr/>
+      </p:nvGrpSpPr>
+      <p:grpSpPr>
+        <a:xfrm>
+          <a:off x="0" y="0"/>
+          <a:ext cx="0" cy="0"/>
+          <a:chOff x="0" y="0"/>
+          <a:chExt cx="0" cy="0"/>
+        </a:xfrm>
+      </p:grpSpPr>
+      <p:sp>
+        <p:nvSpPr>
+          <p:cNvPr id="4" name="Title 3">
+            <a:extLst>
+              <a:ext uri="{FF2B5EF4-FFF2-40B4-BE49-F238E27FC236}">
+                <a16:creationId xmlns:a16="http://schemas.microsoft.com/office/drawing/2014/main" id="{48F52263-FF32-05D7-5454-5BEBAAE637E9}"/>
+              </a:ext>
+            </a:extLst>
+          </p:cNvPr>
+          <p:cNvSpPr>
+            <a:spLocks noGrp="1"/>
+          </p:cNvSpPr>
+          <p:nvPr>
+            <p:ph type="title"/>
+          </p:nvPr>
+        </p:nvSpPr>
+        <p:spPr/>
+        <p:txBody>
+          <a:bodyPr>
+            <a:normAutofit/>
+          </a:bodyPr>
+          <a:lstStyle/>
+          <a:p>
+            <a:r>
+              <a:rPr lang="en-US" sz="2400" dirty="0"/>
+              <a:t>Why Choose Azure DevOps?</a:t>
+            </a:r>
+            <a:endParaRPr lang="en-IN" sz="2400" dirty="0"/>
+          </a:p>
+        </p:txBody>
+      </p:sp>
+      <p:sp>
+        <p:nvSpPr>
+          <p:cNvPr id="5" name="Content Placeholder 4">
+            <a:extLst>
+              <a:ext uri="{FF2B5EF4-FFF2-40B4-BE49-F238E27FC236}">
+                <a16:creationId xmlns:a16="http://schemas.microsoft.com/office/drawing/2014/main" id="{2A3DB246-39D0-0D39-7C0D-CF5C53C10AB6}"/>
+              </a:ext>
+            </a:extLst>
+          </p:cNvPr>
+          <p:cNvSpPr>
+            <a:spLocks noGrp="1"/>
+          </p:cNvSpPr>
+          <p:nvPr>
+            <p:ph sz="quarter" idx="1"/>
+          </p:nvPr>
+        </p:nvSpPr>
+        <p:spPr/>
+        <p:txBody>
+          <a:bodyPr>
+            <a:normAutofit lnSpcReduction="10000"/>
+          </a:bodyPr>
+          <a:lstStyle/>
+          <a:p>
+            <a:r>
+              <a:rPr lang="en-US" sz="2000" dirty="0"/>
+              <a:t>⚙️ </a:t>
+            </a:r>
+            <a:r>
+              <a:rPr lang="en-US" sz="2000" b="1" dirty="0"/>
+              <a:t>3. Strong Integration and Extensibility</a:t>
+            </a:r>
+          </a:p>
+          <a:p>
+            <a:r>
+              <a:rPr lang="en-US" sz="1800" dirty="0"/>
+              <a:t>Integrates with tools like </a:t>
+            </a:r>
+            <a:r>
+              <a:rPr lang="en-US" sz="1800" b="1" dirty="0"/>
+              <a:t>GitHub, Slack, Docker, Kubernetes, Jenkins</a:t>
+            </a:r>
+            <a:r>
+              <a:rPr lang="en-US" sz="1800" dirty="0"/>
+              <a:t>, etc.</a:t>
+            </a:r>
+            <a:endParaRPr lang="en-US" sz="1800" b="1" dirty="0"/>
+          </a:p>
+          <a:p>
+            <a:r>
+              <a:rPr lang="en-US" sz="1800" dirty="0"/>
+              <a:t>Over 1000 extensions available in the </a:t>
+            </a:r>
+            <a:r>
+              <a:rPr lang="en-US" sz="1800" b="1" dirty="0"/>
+              <a:t>Azure DevOps Marketplace</a:t>
+            </a:r>
+            <a:r>
+              <a:rPr lang="en-US" sz="1800" dirty="0"/>
+              <a:t>.</a:t>
+            </a:r>
+          </a:p>
+          <a:p>
+            <a:r>
+              <a:rPr lang="en-US" sz="2000" b="1" dirty="0"/>
+              <a:t>📊 4. Enterprise-Ready</a:t>
+            </a:r>
+          </a:p>
+          <a:p>
+            <a:r>
+              <a:rPr lang="en-US" sz="1800" dirty="0"/>
+              <a:t>Backed by Microsoft’s </a:t>
+            </a:r>
+            <a:r>
+              <a:rPr lang="en-US" sz="1800" b="1" dirty="0"/>
+              <a:t>cloud infrastructure</a:t>
+            </a:r>
+            <a:r>
+              <a:rPr lang="en-US" sz="1800" dirty="0"/>
+              <a:t> for scalability and security.</a:t>
+            </a:r>
+          </a:p>
+          <a:p>
+            <a:r>
+              <a:rPr lang="en-US" sz="1800" dirty="0"/>
+              <a:t>Suitable for </a:t>
+            </a:r>
+            <a:r>
+              <a:rPr lang="en-US" sz="1800" b="1" dirty="0"/>
+              <a:t>small teams to large enterprises</a:t>
+            </a:r>
+            <a:r>
+              <a:rPr lang="en-US" sz="1800" dirty="0"/>
+              <a:t>.</a:t>
+            </a:r>
+          </a:p>
+          <a:p>
+            <a:r>
+              <a:rPr lang="en-US" sz="2000" b="1" dirty="0"/>
+              <a:t>🚀 5. Agile and DevOps Practices Out-of-the-Box</a:t>
+            </a:r>
+          </a:p>
+          <a:p>
+            <a:r>
+              <a:rPr lang="en-US" sz="1800" dirty="0"/>
+              <a:t>First-class support for </a:t>
+            </a:r>
+            <a:r>
+              <a:rPr lang="en-US" sz="1800" b="1" dirty="0"/>
+              <a:t>Agile</a:t>
+            </a:r>
+            <a:r>
+              <a:rPr lang="en-US" sz="1800" dirty="0"/>
+              <a:t>, </a:t>
+            </a:r>
+            <a:r>
+              <a:rPr lang="en-US" sz="1800" b="1" dirty="0"/>
+              <a:t>Scrum</a:t>
+            </a:r>
+            <a:r>
+              <a:rPr lang="en-US" sz="1800" dirty="0"/>
+              <a:t>, and </a:t>
+            </a:r>
+            <a:r>
+              <a:rPr lang="en-US" sz="1800" b="1" dirty="0"/>
+              <a:t>Kanban</a:t>
+            </a:r>
+            <a:r>
+              <a:rPr lang="en-US" sz="1800" dirty="0"/>
+              <a:t> methodologies.</a:t>
+            </a:r>
+            <a:endParaRPr lang="en-US" sz="1800" b="1" dirty="0"/>
+          </a:p>
+          <a:p>
+            <a:r>
+              <a:rPr lang="en-US" sz="1800" dirty="0"/>
+              <a:t>Built-in </a:t>
+            </a:r>
+            <a:r>
+              <a:rPr lang="en-US" sz="1800" b="1" dirty="0"/>
+              <a:t>CI/CD pipelines</a:t>
+            </a:r>
+            <a:r>
+              <a:rPr lang="en-US" sz="1800" dirty="0"/>
+              <a:t> for automating the software lifecycle.</a:t>
+            </a:r>
+            <a:endParaRPr lang="en-US" sz="1800" b="1" dirty="0"/>
+          </a:p>
+          <a:p>
+            <a:r>
+              <a:rPr lang="en-US" sz="1800" dirty="0"/>
+              <a:t>Encourages a culture of </a:t>
+            </a:r>
+            <a:r>
+              <a:rPr lang="en-US" sz="1800" b="1" dirty="0"/>
+              <a:t>collaboration and continuous improvement</a:t>
+            </a:r>
+            <a:r>
+              <a:rPr lang="en-US" sz="1800" dirty="0"/>
+              <a:t>.</a:t>
+            </a:r>
+          </a:p>
+          <a:p>
+            <a:r>
+              <a:rPr lang="en-US" sz="2000" dirty="0"/>
+              <a:t>💰 </a:t>
+            </a:r>
+            <a:r>
+              <a:rPr lang="en-US" sz="2000" b="1" dirty="0"/>
+              <a:t>6. Cost-Effective and Flexible Pricing</a:t>
+            </a:r>
+          </a:p>
+          <a:p>
+            <a:r>
+              <a:rPr lang="en-US" sz="1800" dirty="0"/>
+              <a:t>Free tier for small teams (up to 5 users).</a:t>
+            </a:r>
+          </a:p>
+          <a:p>
+            <a:r>
+              <a:rPr lang="en-US" sz="1800" dirty="0"/>
+              <a:t>Pay-as-you-go model for larger teams.</a:t>
+            </a:r>
+            <a:endParaRPr lang="en-US" sz="1800" b="1" dirty="0"/>
+          </a:p>
+          <a:p>
+            <a:endParaRPr lang="en-US" sz="1800" b="1" dirty="0"/>
+          </a:p>
+          <a:p>
+            <a:pPr marL="0" indent="0">
+              <a:buNone/>
+            </a:pPr>
+            <a:endParaRPr lang="en-US" sz="1600" b="1" dirty="0"/>
+          </a:p>
+          <a:p>
+            <a:pPr marL="0" indent="0">
+              <a:buNone/>
+            </a:pPr>
+            <a:endParaRPr lang="en-US" sz="1600" dirty="0">
+              <a:cs typeface="Segoe UI" panose="020B0502040204020203" pitchFamily="34" charset="0"/>
+            </a:endParaRPr>
+          </a:p>
+          <a:p>
+            <a:endParaRPr lang="en-IN" sz="1600" dirty="0">
+              <a:cs typeface="Segoe UI" panose="020B0502040204020203" pitchFamily="34" charset="0"/>
+            </a:endParaRPr>
+          </a:p>
+          <a:p>
+            <a:endParaRPr lang="en-IN" sz="1600" dirty="0">
+              <a:cs typeface="Segoe UI" panose="020B0502040204020203" pitchFamily="34" charset="0"/>
+            </a:endParaRPr>
+          </a:p>
+        </p:txBody>
+      </p:sp>
+    </p:spTree>
+    <p:extLst>
+      <p:ext uri="{BB962C8B-B14F-4D97-AF65-F5344CB8AC3E}">
+        <p14:creationId xmlns:p14="http://schemas.microsoft.com/office/powerpoint/2010/main" val="2220039213"/>
+      </p:ext>
+    </p:extLst>
+  </p:cSld>
+  <p:clrMapOvr>
+    <a:masterClrMapping/>
+  </p:clrMapOvr>
+</p:sld>
+</file>
+
+<file path=ppt/slides/slide8.xml><?xml version="1.0" encoding="utf-8"?>
+<p:sld xmlns:a="http://schemas.openxmlformats.org/drawingml/2006/main" xmlns:r="http://schemas.openxmlformats.org/officeDocument/2006/relationships" xmlns:p="http://schemas.openxmlformats.org/presentationml/2006/main">
+  <p:cSld>
+    <p:spTree>
+      <p:nvGrpSpPr>
         <p:cNvPr id="1" name=""/>
         <p:cNvGrpSpPr/>
         <p:nvPr/>
@@ -8638,9 +10025,10 @@
           <a:lstStyle/>
           <a:p>
             <a:r>
-              <a:rPr lang="en-IN" sz="2400" dirty="0"/>
-              <a:t>Azure DevOps Services/Components</a:t>
-            </a:r>
+              <a:rPr lang="en-US" sz="2400" dirty="0"/>
+              <a:t>Key Services/Components in Azure DevOps</a:t>
+            </a:r>
+            <a:endParaRPr lang="en-IN" sz="2400" dirty="0"/>
           </a:p>
         </p:txBody>
       </p:sp>
@@ -8662,68 +10050,223 @@
           <a:lstStyle/>
           <a:p>
             <a:r>
-              <a:rPr lang="en-US" sz="1800" dirty="0">
-                <a:latin typeface="Segoe UI" panose="020B0502040204020203" pitchFamily="34" charset="0"/>
+              <a:rPr lang="en-US" sz="2100" dirty="0">
                 <a:cs typeface="Segoe UI" panose="020B0502040204020203" pitchFamily="34" charset="0"/>
               </a:rPr>
-              <a:t>Following are the Azure DevOps Components:</a:t>
-            </a:r>
-          </a:p>
-          <a:p>
-            <a:r>
-              <a:rPr lang="en-US" sz="1800" dirty="0">
-                <a:latin typeface="Segoe UI" panose="020B0502040204020203" pitchFamily="34" charset="0"/>
+              <a:t>Azure DevOps is made up of five core services, each addressing a specific part of the software development lifecycle. These components can be used together or individually, depending on your team's needs.</a:t>
+            </a:r>
+          </a:p>
+          <a:p>
+            <a:r>
+              <a:rPr lang="en-US" sz="2100" b="1" dirty="0">
                 <a:cs typeface="Segoe UI" panose="020B0502040204020203" pitchFamily="34" charset="0"/>
               </a:rPr>
-              <a:t>Pipelines</a:t>
-            </a:r>
-          </a:p>
-          <a:p>
-            <a:r>
-              <a:rPr lang="en-US" sz="1800" dirty="0">
-                <a:latin typeface="Segoe UI" panose="020B0502040204020203" pitchFamily="34" charset="0"/>
+              <a:t>Azure Repos</a:t>
+            </a:r>
+          </a:p>
+          <a:p>
+            <a:r>
+              <a:rPr lang="en-US" sz="2100" b="1" dirty="0">
                 <a:cs typeface="Segoe UI" panose="020B0502040204020203" pitchFamily="34" charset="0"/>
               </a:rPr>
-              <a:t>Boards</a:t>
-            </a:r>
-          </a:p>
-          <a:p>
-            <a:r>
-              <a:rPr lang="en-US" sz="1800" dirty="0">
-                <a:latin typeface="Segoe UI" panose="020B0502040204020203" pitchFamily="34" charset="0"/>
+              <a:t>Azure Pipelines</a:t>
+            </a:r>
+          </a:p>
+          <a:p>
+            <a:r>
+              <a:rPr lang="en-US" sz="2100" b="1" dirty="0">
                 <a:cs typeface="Segoe UI" panose="020B0502040204020203" pitchFamily="34" charset="0"/>
               </a:rPr>
-              <a:t>Artifacts</a:t>
-            </a:r>
-          </a:p>
-          <a:p>
-            <a:r>
-              <a:rPr lang="en-US" sz="1800" dirty="0">
-                <a:latin typeface="Segoe UI" panose="020B0502040204020203" pitchFamily="34" charset="0"/>
+              <a:t>Azure Boards</a:t>
+            </a:r>
+          </a:p>
+          <a:p>
+            <a:r>
+              <a:rPr lang="en-US" sz="2100" b="1" dirty="0">
                 <a:cs typeface="Segoe UI" panose="020B0502040204020203" pitchFamily="34" charset="0"/>
               </a:rPr>
-              <a:t>Repos</a:t>
-            </a:r>
-          </a:p>
-          <a:p>
-            <a:r>
-              <a:rPr lang="en-US" sz="1800" dirty="0">
-                <a:latin typeface="Segoe UI" panose="020B0502040204020203" pitchFamily="34" charset="0"/>
+              <a:t>Azure Test Plans</a:t>
+            </a:r>
+          </a:p>
+          <a:p>
+            <a:r>
+              <a:rPr lang="en-US" sz="2100" b="1" dirty="0">
                 <a:cs typeface="Segoe UI" panose="020B0502040204020203" pitchFamily="34" charset="0"/>
               </a:rPr>
-              <a:t>Test Plans</a:t>
-            </a:r>
+              <a:t>Azure Artifacts</a:t>
+            </a:r>
+          </a:p>
+          <a:p>
             <a:endParaRPr lang="en-IN" sz="1800" dirty="0">
               <a:latin typeface="Segoe UI" panose="020B0502040204020203" pitchFamily="34" charset="0"/>
               <a:cs typeface="Segoe UI" panose="020B0502040204020203" pitchFamily="34" charset="0"/>
             </a:endParaRPr>
           </a:p>
+          <a:p>
+            <a:endParaRPr lang="en-IN" sz="1800" dirty="0">
+              <a:latin typeface="Segoe UI" panose="020B0502040204020203" pitchFamily="34" charset="0"/>
+              <a:cs typeface="Segoe UI" panose="020B0502040204020203" pitchFamily="34" charset="0"/>
+            </a:endParaRPr>
+          </a:p>
         </p:txBody>
       </p:sp>
     </p:spTree>
     <p:extLst>
       <p:ext uri="{BB962C8B-B14F-4D97-AF65-F5344CB8AC3E}">
         <p14:creationId xmlns:p14="http://schemas.microsoft.com/office/powerpoint/2010/main" val="3594076640"/>
+      </p:ext>
+    </p:extLst>
+  </p:cSld>
+  <p:clrMapOvr>
+    <a:masterClrMapping/>
+  </p:clrMapOvr>
+</p:sld>
+</file>
+
+<file path=ppt/slides/slide9.xml><?xml version="1.0" encoding="utf-8"?>
+<p:sld xmlns:a="http://schemas.openxmlformats.org/drawingml/2006/main" xmlns:r="http://schemas.openxmlformats.org/officeDocument/2006/relationships" xmlns:p="http://schemas.openxmlformats.org/presentationml/2006/main">
+  <p:cSld>
+    <p:spTree>
+      <p:nvGrpSpPr>
+        <p:cNvPr id="1" name="">
+          <a:extLst>
+            <a:ext uri="{FF2B5EF4-FFF2-40B4-BE49-F238E27FC236}">
+              <a16:creationId xmlns:a16="http://schemas.microsoft.com/office/drawing/2014/main" id="{6080B67A-DF7F-0447-5CAE-776D51052AE8}"/>
+            </a:ext>
+          </a:extLst>
+        </p:cNvPr>
+        <p:cNvGrpSpPr/>
+        <p:nvPr/>
+      </p:nvGrpSpPr>
+      <p:grpSpPr>
+        <a:xfrm>
+          <a:off x="0" y="0"/>
+          <a:ext cx="0" cy="0"/>
+          <a:chOff x="0" y="0"/>
+          <a:chExt cx="0" cy="0"/>
+        </a:xfrm>
+      </p:grpSpPr>
+      <p:sp>
+        <p:nvSpPr>
+          <p:cNvPr id="4" name="Title 3">
+            <a:extLst>
+              <a:ext uri="{FF2B5EF4-FFF2-40B4-BE49-F238E27FC236}">
+                <a16:creationId xmlns:a16="http://schemas.microsoft.com/office/drawing/2014/main" id="{168B8DF0-632A-9AD0-C6A0-2608906641B6}"/>
+              </a:ext>
+            </a:extLst>
+          </p:cNvPr>
+          <p:cNvSpPr>
+            <a:spLocks noGrp="1"/>
+          </p:cNvSpPr>
+          <p:nvPr>
+            <p:ph type="title"/>
+          </p:nvPr>
+        </p:nvSpPr>
+        <p:spPr/>
+        <p:txBody>
+          <a:bodyPr>
+            <a:normAutofit/>
+          </a:bodyPr>
+          <a:lstStyle/>
+          <a:p>
+            <a:r>
+              <a:rPr lang="en-US" sz="2400" dirty="0"/>
+              <a:t>Key Services/Components in Azure DevOps</a:t>
+            </a:r>
+            <a:endParaRPr lang="en-IN" sz="2400" dirty="0"/>
+          </a:p>
+        </p:txBody>
+      </p:sp>
+      <p:sp>
+        <p:nvSpPr>
+          <p:cNvPr id="5" name="Content Placeholder 4">
+            <a:extLst>
+              <a:ext uri="{FF2B5EF4-FFF2-40B4-BE49-F238E27FC236}">
+                <a16:creationId xmlns:a16="http://schemas.microsoft.com/office/drawing/2014/main" id="{918AE5BF-7434-92B4-C61D-B1DDFF10E0A9}"/>
+              </a:ext>
+            </a:extLst>
+          </p:cNvPr>
+          <p:cNvSpPr>
+            <a:spLocks noGrp="1"/>
+          </p:cNvSpPr>
+          <p:nvPr>
+            <p:ph sz="quarter" idx="1"/>
+          </p:nvPr>
+        </p:nvSpPr>
+        <p:spPr/>
+        <p:txBody>
+          <a:bodyPr>
+            <a:normAutofit/>
+          </a:bodyPr>
+          <a:lstStyle/>
+          <a:p>
+            <a:r>
+              <a:rPr lang="en-US" sz="2000" b="1" dirty="0"/>
+              <a:t>1. Azure Boards</a:t>
+            </a:r>
+          </a:p>
+          <a:p>
+            <a:r>
+              <a:rPr lang="en-US" sz="1800" b="1" dirty="0"/>
+              <a:t>Purpose</a:t>
+            </a:r>
+            <a:r>
+              <a:rPr lang="en-US" sz="1800" dirty="0"/>
+              <a:t>: Agile project management and work tracking.</a:t>
+            </a:r>
+          </a:p>
+          <a:p>
+            <a:r>
+              <a:rPr lang="en-US" sz="1800" b="1" dirty="0"/>
+              <a:t>Features</a:t>
+            </a:r>
+            <a:r>
+              <a:rPr lang="en-US" sz="1800" dirty="0"/>
+              <a:t>:</a:t>
+            </a:r>
+          </a:p>
+          <a:p>
+            <a:r>
+              <a:rPr lang="en-US" sz="1800" dirty="0"/>
+              <a:t>Work items (user stories, bugs, tasks)</a:t>
+            </a:r>
+          </a:p>
+          <a:p>
+            <a:r>
+              <a:rPr lang="en-US" sz="1800" dirty="0"/>
+              <a:t>Kanban boards and Scrum support</a:t>
+            </a:r>
+          </a:p>
+          <a:p>
+            <a:r>
+              <a:rPr lang="en-US" sz="1800" dirty="0"/>
+              <a:t>Sprint planning and backlogs</a:t>
+            </a:r>
+          </a:p>
+          <a:p>
+            <a:r>
+              <a:rPr lang="en-US" sz="1800" dirty="0"/>
+              <a:t>Dashboards and reporting</a:t>
+            </a:r>
+          </a:p>
+          <a:p>
+            <a:endParaRPr lang="en-IN" sz="1800" dirty="0">
+              <a:latin typeface="Segoe UI" panose="020B0502040204020203" pitchFamily="34" charset="0"/>
+              <a:cs typeface="Segoe UI" panose="020B0502040204020203" pitchFamily="34" charset="0"/>
+            </a:endParaRPr>
+          </a:p>
+          <a:p>
+            <a:endParaRPr lang="en-IN" sz="1800" dirty="0">
+              <a:latin typeface="Segoe UI" panose="020B0502040204020203" pitchFamily="34" charset="0"/>
+              <a:cs typeface="Segoe UI" panose="020B0502040204020203" pitchFamily="34" charset="0"/>
+            </a:endParaRPr>
+          </a:p>
+        </p:txBody>
+      </p:sp>
+    </p:spTree>
+    <p:extLst>
+      <p:ext uri="{BB962C8B-B14F-4D97-AF65-F5344CB8AC3E}">
+        <p14:creationId xmlns:p14="http://schemas.microsoft.com/office/powerpoint/2010/main" val="1176249902"/>
       </p:ext>
     </p:extLst>
   </p:cSld>
